--- a/project1.pptx
+++ b/project1.pptx
@@ -16,9 +16,11 @@
     <p:sldId id="263" r:id="rId10"/>
     <p:sldId id="264" r:id="rId11"/>
     <p:sldId id="265" r:id="rId12"/>
-    <p:sldId id="266" r:id="rId13"/>
-    <p:sldId id="267" r:id="rId14"/>
-    <p:sldId id="268" r:id="rId15"/>
+    <p:sldId id="270" r:id="rId13"/>
+    <p:sldId id="271" r:id="rId14"/>
+    <p:sldId id="266" r:id="rId15"/>
+    <p:sldId id="267" r:id="rId16"/>
+    <p:sldId id="268" r:id="rId17"/>
   </p:sldIdLst>
   <p:sldSz cx="9144000" cy="6858000" type="screen4x3"/>
   <p:notesSz cx="6858000" cy="9144000"/>
@@ -779,7 +781,7 @@
             <a:fld id="{C568D3D1-07F1-43E9-9DAC-EDF6466E5F84}" type="datetimeFigureOut">
               <a:rPr lang="en-US" smtClean="0"/>
               <a:pPr/>
-              <a:t>8/22/2021</a:t>
+              <a:t>8/24/2021</a:t>
             </a:fld>
             <a:endParaRPr lang="en-GB"/>
           </a:p>
@@ -964,7 +966,7 @@
             <a:fld id="{C568D3D1-07F1-43E9-9DAC-EDF6466E5F84}" type="datetimeFigureOut">
               <a:rPr lang="en-US" smtClean="0"/>
               <a:pPr/>
-              <a:t>8/22/2021</a:t>
+              <a:t>8/24/2021</a:t>
             </a:fld>
             <a:endParaRPr lang="en-GB"/>
           </a:p>
@@ -1141,7 +1143,7 @@
             <a:fld id="{C568D3D1-07F1-43E9-9DAC-EDF6466E5F84}" type="datetimeFigureOut">
               <a:rPr lang="en-US" smtClean="0"/>
               <a:pPr/>
-              <a:t>8/22/2021</a:t>
+              <a:t>8/24/2021</a:t>
             </a:fld>
             <a:endParaRPr lang="en-GB"/>
           </a:p>
@@ -1308,7 +1310,7 @@
             <a:fld id="{C568D3D1-07F1-43E9-9DAC-EDF6466E5F84}" type="datetimeFigureOut">
               <a:rPr lang="en-US" smtClean="0"/>
               <a:pPr/>
-              <a:t>8/22/2021</a:t>
+              <a:t>8/24/2021</a:t>
             </a:fld>
             <a:endParaRPr lang="en-GB"/>
           </a:p>
@@ -1531,7 +1533,7 @@
             <a:fld id="{C568D3D1-07F1-43E9-9DAC-EDF6466E5F84}" type="datetimeFigureOut">
               <a:rPr lang="en-US" smtClean="0"/>
               <a:pPr/>
-              <a:t>8/22/2021</a:t>
+              <a:t>8/24/2021</a:t>
             </a:fld>
             <a:endParaRPr lang="en-GB"/>
           </a:p>
@@ -1792,7 +1794,7 @@
             <a:fld id="{C568D3D1-07F1-43E9-9DAC-EDF6466E5F84}" type="datetimeFigureOut">
               <a:rPr lang="en-US" smtClean="0"/>
               <a:pPr/>
-              <a:t>8/22/2021</a:t>
+              <a:t>8/24/2021</a:t>
             </a:fld>
             <a:endParaRPr lang="en-GB"/>
           </a:p>
@@ -2198,7 +2200,7 @@
             <a:fld id="{C568D3D1-07F1-43E9-9DAC-EDF6466E5F84}" type="datetimeFigureOut">
               <a:rPr lang="en-US" smtClean="0"/>
               <a:pPr/>
-              <a:t>8/22/2021</a:t>
+              <a:t>8/24/2021</a:t>
             </a:fld>
             <a:endParaRPr lang="en-GB"/>
           </a:p>
@@ -2331,7 +2333,7 @@
             <a:fld id="{C568D3D1-07F1-43E9-9DAC-EDF6466E5F84}" type="datetimeFigureOut">
               <a:rPr lang="en-US" smtClean="0"/>
               <a:pPr/>
-              <a:t>8/22/2021</a:t>
+              <a:t>8/24/2021</a:t>
             </a:fld>
             <a:endParaRPr lang="en-GB"/>
           </a:p>
@@ -2433,7 +2435,7 @@
             <a:fld id="{C568D3D1-07F1-43E9-9DAC-EDF6466E5F84}" type="datetimeFigureOut">
               <a:rPr lang="en-US" smtClean="0"/>
               <a:pPr/>
-              <a:t>8/22/2021</a:t>
+              <a:t>8/24/2021</a:t>
             </a:fld>
             <a:endParaRPr lang="en-GB"/>
           </a:p>
@@ -2680,7 +2682,7 @@
             <a:fld id="{C568D3D1-07F1-43E9-9DAC-EDF6466E5F84}" type="datetimeFigureOut">
               <a:rPr lang="en-US" smtClean="0"/>
               <a:pPr/>
-              <a:t>8/22/2021</a:t>
+              <a:t>8/24/2021</a:t>
             </a:fld>
             <a:endParaRPr lang="en-GB"/>
           </a:p>
@@ -2926,7 +2928,7 @@
             <a:fld id="{C568D3D1-07F1-43E9-9DAC-EDF6466E5F84}" type="datetimeFigureOut">
               <a:rPr lang="en-US" smtClean="0"/>
               <a:pPr/>
-              <a:t>8/22/2021</a:t>
+              <a:t>8/24/2021</a:t>
             </a:fld>
             <a:endParaRPr lang="en-GB"/>
           </a:p>
@@ -3752,7 +3754,7 @@
             <a:fld id="{C568D3D1-07F1-43E9-9DAC-EDF6466E5F84}" type="datetimeFigureOut">
               <a:rPr lang="en-US" smtClean="0"/>
               <a:pPr/>
-              <a:t>8/22/2021</a:t>
+              <a:t>8/24/2021</a:t>
             </a:fld>
             <a:endParaRPr lang="en-GB"/>
           </a:p>
@@ -4194,16 +4196,18 @@
         <p:spPr>
           <a:xfrm>
             <a:off x="428596" y="5786454"/>
-            <a:ext cx="4257676" cy="785818"/>
-          </a:xfrm>
-        </p:spPr>
-        <p:txBody>
-          <a:bodyPr/>
+            <a:ext cx="5786478" cy="785818"/>
+          </a:xfrm>
+        </p:spPr>
+        <p:txBody>
+          <a:bodyPr>
+            <a:normAutofit/>
+          </a:bodyPr>
           <a:lstStyle/>
           <a:p>
             <a:r>
               <a:rPr lang="en-IN" dirty="0" smtClean="0"/>
-              <a:t>By : </a:t>
+              <a:t>Developed By : </a:t>
             </a:r>
             <a:r>
               <a:rPr lang="en-IN" dirty="0" err="1" smtClean="0"/>
@@ -4305,8 +4309,8 @@
         </p:blipFill>
         <p:spPr>
           <a:xfrm>
-            <a:off x="714348" y="2571744"/>
-            <a:ext cx="7500990" cy="3786214"/>
+            <a:off x="357158" y="2357430"/>
+            <a:ext cx="8572560" cy="4286280"/>
           </a:xfrm>
         </p:spPr>
       </p:pic>
@@ -4443,15 +4447,10 @@
             <p:ph type="title"/>
           </p:nvPr>
         </p:nvSpPr>
-        <p:spPr>
-          <a:xfrm>
-            <a:off x="457200" y="642918"/>
-            <a:ext cx="8229600" cy="928694"/>
-          </a:xfrm>
-        </p:spPr>
+        <p:spPr/>
         <p:txBody>
           <a:bodyPr>
-            <a:normAutofit/>
+            <a:normAutofit fontScale="90000"/>
           </a:bodyPr>
           <a:lstStyle/>
           <a:p>
@@ -4463,7 +4462,7 @@
               <a:rPr lang="en-IN" b="1" dirty="0" smtClean="0">
                 <a:latin typeface="Gabriola" pitchFamily="82" charset="0"/>
               </a:rPr>
-              <a:t>Partitioning table on the basis of smoking status</a:t>
+              <a:t>To get the patient data who is having high body mass index</a:t>
             </a:r>
             <a:endParaRPr lang="en-GB" b="1" dirty="0">
               <a:latin typeface="Gabriola" pitchFamily="82" charset="0"/>
@@ -4473,7 +4472,7 @@
       </p:sp>
       <p:pic>
         <p:nvPicPr>
-          <p:cNvPr id="5" name="Content Placeholder 4" descr="17th.PNG"/>
+          <p:cNvPr id="5" name="Content Placeholder 4" descr="13th.PNG"/>
           <p:cNvPicPr>
             <a:picLocks noGrp="1" noChangeAspect="1"/>
           </p:cNvPicPr>
@@ -4489,8 +4488,8 @@
         </p:blipFill>
         <p:spPr>
           <a:xfrm>
-            <a:off x="142844" y="1714488"/>
-            <a:ext cx="8858312" cy="4929222"/>
+            <a:off x="571472" y="2357430"/>
+            <a:ext cx="8072494" cy="4143404"/>
           </a:xfrm>
         </p:spPr>
       </p:pic>
@@ -4544,13 +4543,7 @@
               <a:rPr lang="en-IN" b="1" dirty="0" smtClean="0">
                 <a:latin typeface="Gabriola" pitchFamily="82" charset="0"/>
               </a:rPr>
-              <a:t>Copying output of the query into </a:t>
-            </a:r>
-            <a:r>
-              <a:rPr lang="en-IN" b="1" dirty="0" err="1" smtClean="0">
-                <a:latin typeface="Gabriola" pitchFamily="82" charset="0"/>
-              </a:rPr>
-              <a:t>hdfs</a:t>
+              <a:t>To get the count of patients based on place </a:t>
             </a:r>
             <a:endParaRPr lang="en-GB" b="1" dirty="0">
               <a:latin typeface="Gabriola" pitchFamily="82" charset="0"/>
@@ -4560,7 +4553,7 @@
       </p:sp>
       <p:pic>
         <p:nvPicPr>
-          <p:cNvPr id="5" name="Content Placeholder 4" descr="18th.PNG"/>
+          <p:cNvPr id="5" name="Content Placeholder 4" descr="6th.PNG"/>
           <p:cNvPicPr>
             <a:picLocks noGrp="1" noChangeAspect="1"/>
           </p:cNvPicPr>
@@ -4576,8 +4569,8 @@
         </p:blipFill>
         <p:spPr>
           <a:xfrm>
-            <a:off x="642910" y="2643182"/>
-            <a:ext cx="7786742" cy="3786214"/>
+            <a:off x="571472" y="2214554"/>
+            <a:ext cx="8143932" cy="4214842"/>
           </a:xfrm>
         </p:spPr>
       </p:pic>
@@ -4616,9 +4609,16 @@
             <p:ph type="title"/>
           </p:nvPr>
         </p:nvSpPr>
-        <p:spPr/>
-        <p:txBody>
-          <a:bodyPr/>
+        <p:spPr>
+          <a:xfrm>
+            <a:off x="457200" y="642918"/>
+            <a:ext cx="8229600" cy="928694"/>
+          </a:xfrm>
+        </p:spPr>
+        <p:txBody>
+          <a:bodyPr>
+            <a:normAutofit/>
+          </a:bodyPr>
           <a:lstStyle/>
           <a:p>
             <a:pPr>
@@ -4629,13 +4629,7 @@
               <a:rPr lang="en-IN" b="1" dirty="0" smtClean="0">
                 <a:latin typeface="Gabriola" pitchFamily="82" charset="0"/>
               </a:rPr>
-              <a:t>Loaded data into </a:t>
-            </a:r>
-            <a:r>
-              <a:rPr lang="en-IN" b="1" dirty="0" err="1" smtClean="0">
-                <a:latin typeface="Gabriola" pitchFamily="82" charset="0"/>
-              </a:rPr>
-              <a:t>ambari</a:t>
+              <a:t>Partitioning table on the basis of smoking status</a:t>
             </a:r>
             <a:endParaRPr lang="en-GB" b="1" dirty="0">
               <a:latin typeface="Gabriola" pitchFamily="82" charset="0"/>
@@ -4645,7 +4639,7 @@
       </p:sp>
       <p:pic>
         <p:nvPicPr>
-          <p:cNvPr id="5" name="Content Placeholder 4" descr="amb.PNG"/>
+          <p:cNvPr id="5" name="Content Placeholder 4" descr="17th.PNG"/>
           <p:cNvPicPr>
             <a:picLocks noGrp="1" noChangeAspect="1"/>
           </p:cNvPicPr>
@@ -4661,8 +4655,192 @@
         </p:blipFill>
         <p:spPr>
           <a:xfrm>
-            <a:off x="571472" y="2143116"/>
-            <a:ext cx="8286808" cy="4429156"/>
+            <a:off x="142844" y="1714488"/>
+            <a:ext cx="8858312" cy="4929222"/>
+          </a:xfrm>
+        </p:spPr>
+      </p:pic>
+    </p:spTree>
+  </p:cSld>
+  <p:clrMapOvr>
+    <a:masterClrMapping/>
+  </p:clrMapOvr>
+</p:sld>
+</file>
+
+<file path=ppt/slides/slide15.xml><?xml version="1.0" encoding="utf-8"?>
+<p:sld xmlns:a="http://schemas.openxmlformats.org/drawingml/2006/main" xmlns:r="http://schemas.openxmlformats.org/officeDocument/2006/relationships" xmlns:p="http://schemas.openxmlformats.org/presentationml/2006/main">
+  <p:cSld>
+    <p:spTree>
+      <p:nvGrpSpPr>
+        <p:cNvPr id="1" name=""/>
+        <p:cNvGrpSpPr/>
+        <p:nvPr/>
+      </p:nvGrpSpPr>
+      <p:grpSpPr>
+        <a:xfrm>
+          <a:off x="0" y="0"/>
+          <a:ext cx="0" cy="0"/>
+          <a:chOff x="0" y="0"/>
+          <a:chExt cx="0" cy="0"/>
+        </a:xfrm>
+      </p:grpSpPr>
+      <p:sp>
+        <p:nvSpPr>
+          <p:cNvPr id="2" name="Title 1"/>
+          <p:cNvSpPr>
+            <a:spLocks noGrp="1"/>
+          </p:cNvSpPr>
+          <p:nvPr>
+            <p:ph type="title"/>
+          </p:nvPr>
+        </p:nvSpPr>
+        <p:spPr>
+          <a:xfrm>
+            <a:off x="457200" y="571480"/>
+            <a:ext cx="8229600" cy="928694"/>
+          </a:xfrm>
+        </p:spPr>
+        <p:txBody>
+          <a:bodyPr>
+            <a:normAutofit/>
+          </a:bodyPr>
+          <a:lstStyle/>
+          <a:p>
+            <a:pPr>
+              <a:buFont typeface="Arial" pitchFamily="34" charset="0"/>
+              <a:buChar char="•"/>
+            </a:pPr>
+            <a:r>
+              <a:rPr lang="en-IN" b="1" dirty="0" smtClean="0">
+                <a:latin typeface="Gabriola" pitchFamily="82" charset="0"/>
+              </a:rPr>
+              <a:t>Copying output of the query into </a:t>
+            </a:r>
+            <a:r>
+              <a:rPr lang="en-IN" b="1" dirty="0" err="1" smtClean="0">
+                <a:latin typeface="Gabriola" pitchFamily="82" charset="0"/>
+              </a:rPr>
+              <a:t>hdfs</a:t>
+            </a:r>
+            <a:endParaRPr lang="en-GB" b="1" dirty="0">
+              <a:latin typeface="Gabriola" pitchFamily="82" charset="0"/>
+            </a:endParaRPr>
+          </a:p>
+        </p:txBody>
+      </p:sp>
+      <p:pic>
+        <p:nvPicPr>
+          <p:cNvPr id="5" name="Content Placeholder 4" descr="18th.PNG"/>
+          <p:cNvPicPr>
+            <a:picLocks noGrp="1" noChangeAspect="1"/>
+          </p:cNvPicPr>
+          <p:nvPr>
+            <p:ph sz="half" idx="1"/>
+          </p:nvPr>
+        </p:nvPicPr>
+        <p:blipFill>
+          <a:blip r:embed="rId2"/>
+          <a:stretch>
+            <a:fillRect/>
+          </a:stretch>
+        </p:blipFill>
+        <p:spPr>
+          <a:xfrm>
+            <a:off x="285720" y="1714488"/>
+            <a:ext cx="8572560" cy="4714908"/>
+          </a:xfrm>
+        </p:spPr>
+      </p:pic>
+    </p:spTree>
+  </p:cSld>
+  <p:clrMapOvr>
+    <a:masterClrMapping/>
+  </p:clrMapOvr>
+</p:sld>
+</file>
+
+<file path=ppt/slides/slide16.xml><?xml version="1.0" encoding="utf-8"?>
+<p:sld xmlns:a="http://schemas.openxmlformats.org/drawingml/2006/main" xmlns:r="http://schemas.openxmlformats.org/officeDocument/2006/relationships" xmlns:p="http://schemas.openxmlformats.org/presentationml/2006/main">
+  <p:cSld>
+    <p:spTree>
+      <p:nvGrpSpPr>
+        <p:cNvPr id="1" name=""/>
+        <p:cNvGrpSpPr/>
+        <p:nvPr/>
+      </p:nvGrpSpPr>
+      <p:grpSpPr>
+        <a:xfrm>
+          <a:off x="0" y="0"/>
+          <a:ext cx="0" cy="0"/>
+          <a:chOff x="0" y="0"/>
+          <a:chExt cx="0" cy="0"/>
+        </a:xfrm>
+      </p:grpSpPr>
+      <p:sp>
+        <p:nvSpPr>
+          <p:cNvPr id="2" name="Title 1"/>
+          <p:cNvSpPr>
+            <a:spLocks noGrp="1"/>
+          </p:cNvSpPr>
+          <p:nvPr>
+            <p:ph type="title"/>
+          </p:nvPr>
+        </p:nvSpPr>
+        <p:spPr>
+          <a:xfrm>
+            <a:off x="457200" y="714356"/>
+            <a:ext cx="8229600" cy="785818"/>
+          </a:xfrm>
+        </p:spPr>
+        <p:txBody>
+          <a:bodyPr>
+            <a:normAutofit/>
+          </a:bodyPr>
+          <a:lstStyle/>
+          <a:p>
+            <a:pPr>
+              <a:buFont typeface="Arial" pitchFamily="34" charset="0"/>
+              <a:buChar char="•"/>
+            </a:pPr>
+            <a:r>
+              <a:rPr lang="en-IN" b="1" dirty="0" smtClean="0">
+                <a:latin typeface="Gabriola" pitchFamily="82" charset="0"/>
+              </a:rPr>
+              <a:t>Loaded data into </a:t>
+            </a:r>
+            <a:r>
+              <a:rPr lang="en-IN" b="1" dirty="0" err="1" smtClean="0">
+                <a:latin typeface="Gabriola" pitchFamily="82" charset="0"/>
+              </a:rPr>
+              <a:t>ambari</a:t>
+            </a:r>
+            <a:endParaRPr lang="en-GB" b="1" dirty="0">
+              <a:latin typeface="Gabriola" pitchFamily="82" charset="0"/>
+            </a:endParaRPr>
+          </a:p>
+        </p:txBody>
+      </p:sp>
+      <p:pic>
+        <p:nvPicPr>
+          <p:cNvPr id="5" name="Content Placeholder 4" descr="amb.PNG"/>
+          <p:cNvPicPr>
+            <a:picLocks noGrp="1" noChangeAspect="1"/>
+          </p:cNvPicPr>
+          <p:nvPr>
+            <p:ph sz="half" idx="1"/>
+          </p:nvPr>
+        </p:nvPicPr>
+        <p:blipFill>
+          <a:blip r:embed="rId2"/>
+          <a:stretch>
+            <a:fillRect/>
+          </a:stretch>
+        </p:blipFill>
+        <p:spPr>
+          <a:xfrm>
+            <a:off x="571472" y="1500174"/>
+            <a:ext cx="8286808" cy="5072098"/>
           </a:xfrm>
         </p:spPr>
       </p:pic>
@@ -4708,7 +4886,7 @@
           <a:p>
             <a:r>
               <a:rPr lang="en-IN" dirty="0" smtClean="0"/>
-              <a:t>About the project:</a:t>
+              <a:t>Features Of Dataset:</a:t>
             </a:r>
             <a:endParaRPr lang="en-GB" dirty="0"/>
           </a:p>
@@ -4736,19 +4914,7 @@
           <a:p>
             <a:r>
               <a:rPr lang="en-IN" dirty="0" smtClean="0"/>
-              <a:t>This main aim of this project is to analyze the data of patients who are facing problems with </a:t>
-            </a:r>
-            <a:r>
-              <a:rPr lang="en-IN" dirty="0" err="1" smtClean="0"/>
-              <a:t>H</a:t>
-            </a:r>
-            <a:r>
-              <a:rPr lang="en-IN" dirty="0" err="1" smtClean="0"/>
-              <a:t>ypertension,Heart</a:t>
-            </a:r>
-            <a:r>
-              <a:rPr lang="en-IN" dirty="0" smtClean="0"/>
-              <a:t> Disease and Stroke.</a:t>
+              <a:t>This main aim of this project is to analyze the data of patients who are facing problems with Hypertension , Heart Disease and Stroke.</a:t>
             </a:r>
           </a:p>
           <a:p>
@@ -4780,7 +4946,7 @@
             </a:pPr>
             <a:r>
               <a:rPr lang="en-IN" dirty="0" smtClean="0"/>
-              <a:t>The place they live (Air pollution, Sound pollution)</a:t>
+              <a:t>The place they live rural or urban (Air pollution, Sound pollution)</a:t>
             </a:r>
           </a:p>
           <a:p>
@@ -4788,14 +4954,30 @@
               <a:buFont typeface="Wingdings" pitchFamily="2" charset="2"/>
               <a:buChar char="Ø"/>
             </a:pPr>
-            <a:endParaRPr lang="en-IN" dirty="0" smtClean="0"/>
+            <a:r>
+              <a:rPr lang="en-IN" dirty="0" smtClean="0"/>
+              <a:t>The Sugar Levels</a:t>
+            </a:r>
           </a:p>
           <a:p>
             <a:pPr lvl="3">
               <a:buFont typeface="Wingdings" pitchFamily="2" charset="2"/>
               <a:buChar char="Ø"/>
             </a:pPr>
-            <a:endParaRPr lang="en-IN" dirty="0" smtClean="0"/>
+            <a:r>
+              <a:rPr lang="en-IN" dirty="0" smtClean="0"/>
+              <a:t>Their Body Mass Index</a:t>
+            </a:r>
+          </a:p>
+          <a:p>
+            <a:pPr lvl="3">
+              <a:buFont typeface="Wingdings" pitchFamily="2" charset="2"/>
+              <a:buChar char="Ø"/>
+            </a:pPr>
+            <a:r>
+              <a:rPr lang="en-IN" dirty="0" smtClean="0"/>
+              <a:t>Their smoking status</a:t>
+            </a:r>
           </a:p>
           <a:p>
             <a:pPr lvl="3">
@@ -4897,18 +5079,40 @@
               <a:buAutoNum type="arabicPeriod"/>
             </a:pPr>
             <a:r>
-              <a:rPr lang="en-IN" sz="2400" b="1" dirty="0" smtClean="0"/>
-              <a:t>In this project </a:t>
-            </a:r>
-            <a:r>
-              <a:rPr lang="en-IN" sz="2400" b="1" dirty="0" smtClean="0"/>
-              <a:t>I took </a:t>
-            </a:r>
-            <a:r>
-              <a:rPr lang="en-IN" sz="2400" b="1" dirty="0" smtClean="0"/>
-              <a:t>Health Care of various patients dataset based on heart stroke.</a:t>
-            </a:r>
-            <a:endParaRPr lang="en-IN" sz="2400" b="1" dirty="0" smtClean="0"/>
+              <a:rPr lang="en-IN" b="1" dirty="0" smtClean="0">
+                <a:latin typeface="Gabriola" pitchFamily="82" charset="0"/>
+                <a:cs typeface="Arial" pitchFamily="34" charset="0"/>
+              </a:rPr>
+              <a:t>In this project I took Health Care dataset of various patients based on features like </a:t>
+            </a:r>
+            <a:r>
+              <a:rPr lang="en-IN" b="1" dirty="0" err="1" smtClean="0">
+                <a:latin typeface="Gabriola" pitchFamily="82" charset="0"/>
+                <a:cs typeface="Arial" pitchFamily="34" charset="0"/>
+              </a:rPr>
+              <a:t>bmi</a:t>
+            </a:r>
+            <a:r>
+              <a:rPr lang="en-IN" b="1" dirty="0" smtClean="0">
+                <a:latin typeface="Gabriola" pitchFamily="82" charset="0"/>
+                <a:cs typeface="Arial" pitchFamily="34" charset="0"/>
+              </a:rPr>
+              <a:t> , </a:t>
+            </a:r>
+            <a:r>
+              <a:rPr lang="en-IN" b="1" dirty="0" err="1" smtClean="0">
+                <a:latin typeface="Gabriola" pitchFamily="82" charset="0"/>
+                <a:cs typeface="Arial" pitchFamily="34" charset="0"/>
+              </a:rPr>
+              <a:t>workType</a:t>
+            </a:r>
+            <a:r>
+              <a:rPr lang="en-IN" b="1" dirty="0" smtClean="0">
+                <a:latin typeface="Gabriola" pitchFamily="82" charset="0"/>
+                <a:cs typeface="Arial" pitchFamily="34" charset="0"/>
+              </a:rPr>
+              <a:t> , age , glucose levels , smoking status.</a:t>
+            </a:r>
           </a:p>
           <a:p>
             <a:pPr>
@@ -4916,31 +5120,38 @@
               <a:buAutoNum type="arabicPeriod"/>
             </a:pPr>
             <a:r>
-              <a:rPr lang="en-IN" sz="2400" b="1" dirty="0" smtClean="0"/>
-              <a:t>Using the </a:t>
-            </a:r>
-            <a:r>
-              <a:rPr lang="en-IN" sz="2400" b="1" dirty="0" err="1" smtClean="0"/>
-              <a:t>gui</a:t>
-            </a:r>
-            <a:r>
-              <a:rPr lang="en-IN" sz="2400" b="1" dirty="0" smtClean="0"/>
-              <a:t> of </a:t>
-            </a:r>
-            <a:r>
-              <a:rPr lang="en-IN" sz="2400" b="1" dirty="0" err="1" smtClean="0"/>
-              <a:t>ambari</a:t>
-            </a:r>
-            <a:r>
-              <a:rPr lang="en-IN" sz="2400" b="1" dirty="0" smtClean="0"/>
-              <a:t> I have uploaded the file into </a:t>
-            </a:r>
-            <a:r>
-              <a:rPr lang="en-IN" sz="2400" b="1" dirty="0" err="1" smtClean="0"/>
+              <a:rPr lang="en-IN" b="1" dirty="0" smtClean="0">
+                <a:latin typeface="Gabriola" pitchFamily="82" charset="0"/>
+                <a:cs typeface="Arial" pitchFamily="34" charset="0"/>
+              </a:rPr>
+              <a:t>Using the GUI of  </a:t>
+            </a:r>
+            <a:r>
+              <a:rPr lang="en-IN" b="1" dirty="0" err="1" smtClean="0">
+                <a:latin typeface="Gabriola" pitchFamily="82" charset="0"/>
+                <a:cs typeface="Arial" pitchFamily="34" charset="0"/>
+              </a:rPr>
+              <a:t>Ambari</a:t>
+            </a:r>
+            <a:r>
+              <a:rPr lang="en-IN" b="1" dirty="0" smtClean="0">
+                <a:latin typeface="Gabriola" pitchFamily="82" charset="0"/>
+                <a:cs typeface="Arial" pitchFamily="34" charset="0"/>
+              </a:rPr>
+              <a:t> I have uploaded the file into  </a:t>
+            </a:r>
+            <a:r>
+              <a:rPr lang="en-IN" b="1" dirty="0" err="1" smtClean="0">
+                <a:latin typeface="Gabriola" pitchFamily="82" charset="0"/>
+                <a:cs typeface="Arial" pitchFamily="34" charset="0"/>
+              </a:rPr>
               <a:t>hdfs</a:t>
             </a:r>
             <a:r>
-              <a:rPr lang="en-IN" sz="2400" b="1" dirty="0" smtClean="0"/>
+              <a:rPr lang="en-IN" b="1" dirty="0" smtClean="0">
+                <a:latin typeface="Gabriola" pitchFamily="82" charset="0"/>
+                <a:cs typeface="Arial" pitchFamily="34" charset="0"/>
+              </a:rPr>
               <a:t>.</a:t>
             </a:r>
           </a:p>
@@ -4950,16 +5161,11 @@
               <a:buAutoNum type="arabicPeriod"/>
             </a:pPr>
             <a:r>
-              <a:rPr lang="en-IN" sz="2400" b="1" dirty="0" smtClean="0"/>
-              <a:t>Then I </a:t>
-            </a:r>
-            <a:r>
-              <a:rPr lang="en-IN" sz="2400" b="1" dirty="0" smtClean="0"/>
-              <a:t>loaded </a:t>
-            </a:r>
-            <a:r>
-              <a:rPr lang="en-IN" sz="2400" b="1" dirty="0" smtClean="0"/>
-              <a:t>the file into a table which was created in hive.</a:t>
+              <a:rPr lang="en-IN" b="1" dirty="0" smtClean="0">
+                <a:latin typeface="Gabriola" pitchFamily="82" charset="0"/>
+                <a:cs typeface="Arial" pitchFamily="34" charset="0"/>
+              </a:rPr>
+              <a:t>Then I loaded the file into a table which was created in hive.</a:t>
             </a:r>
           </a:p>
           <a:p>
@@ -4968,22 +5174,12 @@
               <a:buAutoNum type="arabicPeriod"/>
             </a:pPr>
             <a:r>
-              <a:rPr lang="en-IN" sz="2400" b="1" dirty="0" smtClean="0"/>
-              <a:t>After importing file into the table in </a:t>
-            </a:r>
-            <a:r>
-              <a:rPr lang="en-IN" sz="2400" b="1" dirty="0" smtClean="0"/>
-              <a:t>hive, </a:t>
-            </a:r>
-            <a:r>
-              <a:rPr lang="en-IN" sz="2400" b="1" dirty="0" smtClean="0"/>
-              <a:t>I performed some </a:t>
-            </a:r>
-            <a:r>
-              <a:rPr lang="en-IN" sz="2400" b="1" dirty="0" smtClean="0"/>
-              <a:t>queries to analyze the data.</a:t>
-            </a:r>
-            <a:endParaRPr lang="en-IN" sz="2400" b="1" dirty="0" smtClean="0"/>
+              <a:rPr lang="en-IN" b="1" dirty="0" smtClean="0">
+                <a:latin typeface="Gabriola" pitchFamily="82" charset="0"/>
+                <a:cs typeface="Arial" pitchFamily="34" charset="0"/>
+              </a:rPr>
+              <a:t>After importing file into the table in hive, I performed some queries to analyze the data.</a:t>
+            </a:r>
           </a:p>
           <a:p>
             <a:pPr>
@@ -4991,26 +5187,12 @@
               <a:buAutoNum type="arabicPeriod"/>
             </a:pPr>
             <a:r>
-              <a:rPr lang="en-IN" sz="2400" b="1" dirty="0" smtClean="0"/>
-              <a:t>I </a:t>
-            </a:r>
-            <a:r>
-              <a:rPr lang="en-IN" sz="2400" b="1" dirty="0" smtClean="0"/>
-              <a:t>took </a:t>
-            </a:r>
-            <a:r>
-              <a:rPr lang="en-IN" sz="2400" b="1" dirty="0" smtClean="0"/>
-              <a:t>the output of the queries and exported them into </a:t>
-            </a:r>
-            <a:r>
-              <a:rPr lang="en-IN" sz="2400" b="1" dirty="0" err="1" smtClean="0"/>
-              <a:t>hdfs</a:t>
-            </a:r>
-            <a:r>
-              <a:rPr lang="en-IN" sz="2400" b="1" dirty="0" smtClean="0"/>
-              <a:t>.</a:t>
-            </a:r>
-            <a:endParaRPr lang="en-IN" sz="2400" b="1" dirty="0" smtClean="0"/>
+              <a:rPr lang="en-IN" b="1" dirty="0" smtClean="0">
+                <a:latin typeface="Gabriola" pitchFamily="82" charset="0"/>
+                <a:cs typeface="Arial" pitchFamily="34" charset="0"/>
+              </a:rPr>
+              <a:t>I took the output of the queries and exported them into HDFS.</a:t>
+            </a:r>
           </a:p>
         </p:txBody>
       </p:sp>
@@ -5688,8 +5870,8 @@
         </p:blipFill>
         <p:spPr>
           <a:xfrm>
-            <a:off x="857224" y="2643182"/>
-            <a:ext cx="7500990" cy="3357586"/>
+            <a:off x="571472" y="2643182"/>
+            <a:ext cx="8143932" cy="3714776"/>
           </a:xfrm>
         </p:spPr>
       </p:pic>
@@ -5821,7 +6003,12 @@
             <p:ph type="title"/>
           </p:nvPr>
         </p:nvSpPr>
-        <p:spPr/>
+        <p:spPr>
+          <a:xfrm>
+            <a:off x="457200" y="642918"/>
+            <a:ext cx="8229600" cy="928694"/>
+          </a:xfrm>
+        </p:spPr>
         <p:txBody>
           <a:bodyPr>
             <a:normAutofit fontScale="90000"/>
@@ -5836,7 +6023,13 @@
               <a:rPr lang="en-IN" b="1" dirty="0" smtClean="0">
                 <a:latin typeface="Gabriola" pitchFamily="82" charset="0"/>
               </a:rPr>
-              <a:t>To get the count of patients based on gender and their smoking status</a:t>
+              <a:t>To get the count of patients based on gender and their smoking </a:t>
+            </a:r>
+            <a:r>
+              <a:rPr lang="en-IN" b="1" dirty="0" smtClean="0">
+                <a:latin typeface="Gabriola" pitchFamily="82" charset="0"/>
+              </a:rPr>
+              <a:t>status who got stroke</a:t>
             </a:r>
             <a:endParaRPr lang="en-GB" b="1" dirty="0">
               <a:latin typeface="Gabriola" pitchFamily="82" charset="0"/>
@@ -5862,8 +6055,8 @@
         </p:blipFill>
         <p:spPr>
           <a:xfrm>
-            <a:off x="571472" y="2357430"/>
-            <a:ext cx="7643866" cy="3929090"/>
+            <a:off x="285720" y="1714488"/>
+            <a:ext cx="8572560" cy="4857784"/>
           </a:xfrm>
         </p:spPr>
       </p:pic>
